--- a/attachments/OrCAD 사용법.pptx
+++ b/attachments/OrCAD 사용법.pptx
@@ -165,10 +165,9 @@
           </a:lstStyle>
           <a:p>
             <a:r>
-              <a:rPr lang="ko-KR" altLang="en-US" smtClean="0"/>
+              <a:rPr lang="ko-KR" altLang="en-US"/>
               <a:t>마스터 제목 스타일 편집</a:t>
             </a:r>
-            <a:endParaRPr lang="ko-KR" altLang="en-US"/>
           </a:p>
         </p:txBody>
       </p:sp>
@@ -230,10 +229,9 @@
           </a:lstStyle>
           <a:p>
             <a:r>
-              <a:rPr lang="ko-KR" altLang="en-US" smtClean="0"/>
+              <a:rPr lang="ko-KR" altLang="en-US"/>
               <a:t>클릭하여 마스터 부제목 스타일 편집</a:t>
             </a:r>
-            <a:endParaRPr lang="ko-KR" altLang="en-US"/>
           </a:p>
         </p:txBody>
       </p:sp>
@@ -254,7 +252,7 @@
           <a:p>
             <a:fld id="{7BD7AC0C-D84D-4670-A595-FFDD8E6D85AE}" type="datetimeFigureOut">
               <a:rPr lang="ko-KR" altLang="en-US" smtClean="0"/>
-              <a:t>2019-02-28</a:t>
+              <a:t>2023-01-13</a:t>
             </a:fld>
             <a:endParaRPr lang="ko-KR" altLang="en-US"/>
           </a:p>
@@ -348,10 +346,9 @@
           <a:lstStyle/>
           <a:p>
             <a:r>
-              <a:rPr lang="ko-KR" altLang="en-US" smtClean="0"/>
+              <a:rPr lang="ko-KR" altLang="en-US"/>
               <a:t>마스터 제목 스타일 편집</a:t>
             </a:r>
-            <a:endParaRPr lang="ko-KR" altLang="en-US"/>
           </a:p>
         </p:txBody>
       </p:sp>
@@ -372,38 +369,37 @@
           <a:p>
             <a:pPr lvl="0"/>
             <a:r>
-              <a:rPr lang="ko-KR" altLang="en-US" smtClean="0"/>
+              <a:rPr lang="ko-KR" altLang="en-US"/>
               <a:t>마스터 텍스트 스타일 편집</a:t>
             </a:r>
           </a:p>
           <a:p>
             <a:pPr lvl="1"/>
             <a:r>
-              <a:rPr lang="ko-KR" altLang="en-US" smtClean="0"/>
+              <a:rPr lang="ko-KR" altLang="en-US"/>
               <a:t>둘째 수준</a:t>
             </a:r>
           </a:p>
           <a:p>
             <a:pPr lvl="2"/>
             <a:r>
-              <a:rPr lang="ko-KR" altLang="en-US" smtClean="0"/>
+              <a:rPr lang="ko-KR" altLang="en-US"/>
               <a:t>셋째 수준</a:t>
             </a:r>
           </a:p>
           <a:p>
             <a:pPr lvl="3"/>
             <a:r>
-              <a:rPr lang="ko-KR" altLang="en-US" smtClean="0"/>
+              <a:rPr lang="ko-KR" altLang="en-US"/>
               <a:t>넷째 수준</a:t>
             </a:r>
           </a:p>
           <a:p>
             <a:pPr lvl="4"/>
             <a:r>
-              <a:rPr lang="ko-KR" altLang="en-US" smtClean="0"/>
+              <a:rPr lang="ko-KR" altLang="en-US"/>
               <a:t>다섯째 수준</a:t>
             </a:r>
-            <a:endParaRPr lang="ko-KR" altLang="en-US"/>
           </a:p>
         </p:txBody>
       </p:sp>
@@ -424,7 +420,7 @@
           <a:p>
             <a:fld id="{7BD7AC0C-D84D-4670-A595-FFDD8E6D85AE}" type="datetimeFigureOut">
               <a:rPr lang="ko-KR" altLang="en-US" smtClean="0"/>
-              <a:t>2019-02-28</a:t>
+              <a:t>2023-01-13</a:t>
             </a:fld>
             <a:endParaRPr lang="ko-KR" altLang="en-US"/>
           </a:p>
@@ -523,10 +519,9 @@
           <a:lstStyle/>
           <a:p>
             <a:r>
-              <a:rPr lang="ko-KR" altLang="en-US" smtClean="0"/>
+              <a:rPr lang="ko-KR" altLang="en-US"/>
               <a:t>마스터 제목 스타일 편집</a:t>
             </a:r>
-            <a:endParaRPr lang="ko-KR" altLang="en-US"/>
           </a:p>
         </p:txBody>
       </p:sp>
@@ -552,38 +547,37 @@
           <a:p>
             <a:pPr lvl="0"/>
             <a:r>
-              <a:rPr lang="ko-KR" altLang="en-US" smtClean="0"/>
+              <a:rPr lang="ko-KR" altLang="en-US"/>
               <a:t>마스터 텍스트 스타일 편집</a:t>
             </a:r>
           </a:p>
           <a:p>
             <a:pPr lvl="1"/>
             <a:r>
-              <a:rPr lang="ko-KR" altLang="en-US" smtClean="0"/>
+              <a:rPr lang="ko-KR" altLang="en-US"/>
               <a:t>둘째 수준</a:t>
             </a:r>
           </a:p>
           <a:p>
             <a:pPr lvl="2"/>
             <a:r>
-              <a:rPr lang="ko-KR" altLang="en-US" smtClean="0"/>
+              <a:rPr lang="ko-KR" altLang="en-US"/>
               <a:t>셋째 수준</a:t>
             </a:r>
           </a:p>
           <a:p>
             <a:pPr lvl="3"/>
             <a:r>
-              <a:rPr lang="ko-KR" altLang="en-US" smtClean="0"/>
+              <a:rPr lang="ko-KR" altLang="en-US"/>
               <a:t>넷째 수준</a:t>
             </a:r>
           </a:p>
           <a:p>
             <a:pPr lvl="4"/>
             <a:r>
-              <a:rPr lang="ko-KR" altLang="en-US" smtClean="0"/>
+              <a:rPr lang="ko-KR" altLang="en-US"/>
               <a:t>다섯째 수준</a:t>
             </a:r>
-            <a:endParaRPr lang="ko-KR" altLang="en-US"/>
           </a:p>
         </p:txBody>
       </p:sp>
@@ -604,7 +598,7 @@
           <a:p>
             <a:fld id="{7BD7AC0C-D84D-4670-A595-FFDD8E6D85AE}" type="datetimeFigureOut">
               <a:rPr lang="ko-KR" altLang="en-US" smtClean="0"/>
-              <a:t>2019-02-28</a:t>
+              <a:t>2023-01-13</a:t>
             </a:fld>
             <a:endParaRPr lang="ko-KR" altLang="en-US"/>
           </a:p>
@@ -698,10 +692,9 @@
           <a:lstStyle/>
           <a:p>
             <a:r>
-              <a:rPr lang="ko-KR" altLang="en-US" smtClean="0"/>
+              <a:rPr lang="ko-KR" altLang="en-US"/>
               <a:t>마스터 제목 스타일 편집</a:t>
             </a:r>
-            <a:endParaRPr lang="ko-KR" altLang="en-US"/>
           </a:p>
         </p:txBody>
       </p:sp>
@@ -722,38 +715,37 @@
           <a:p>
             <a:pPr lvl="0"/>
             <a:r>
-              <a:rPr lang="ko-KR" altLang="en-US" smtClean="0"/>
+              <a:rPr lang="ko-KR" altLang="en-US"/>
               <a:t>마스터 텍스트 스타일 편집</a:t>
             </a:r>
           </a:p>
           <a:p>
             <a:pPr lvl="1"/>
             <a:r>
-              <a:rPr lang="ko-KR" altLang="en-US" smtClean="0"/>
+              <a:rPr lang="ko-KR" altLang="en-US"/>
               <a:t>둘째 수준</a:t>
             </a:r>
           </a:p>
           <a:p>
             <a:pPr lvl="2"/>
             <a:r>
-              <a:rPr lang="ko-KR" altLang="en-US" smtClean="0"/>
+              <a:rPr lang="ko-KR" altLang="en-US"/>
               <a:t>셋째 수준</a:t>
             </a:r>
           </a:p>
           <a:p>
             <a:pPr lvl="3"/>
             <a:r>
-              <a:rPr lang="ko-KR" altLang="en-US" smtClean="0"/>
+              <a:rPr lang="ko-KR" altLang="en-US"/>
               <a:t>넷째 수준</a:t>
             </a:r>
           </a:p>
           <a:p>
             <a:pPr lvl="4"/>
             <a:r>
-              <a:rPr lang="ko-KR" altLang="en-US" smtClean="0"/>
+              <a:rPr lang="ko-KR" altLang="en-US"/>
               <a:t>다섯째 수준</a:t>
             </a:r>
-            <a:endParaRPr lang="ko-KR" altLang="en-US"/>
           </a:p>
         </p:txBody>
       </p:sp>
@@ -774,7 +766,7 @@
           <a:p>
             <a:fld id="{7BD7AC0C-D84D-4670-A595-FFDD8E6D85AE}" type="datetimeFigureOut">
               <a:rPr lang="ko-KR" altLang="en-US" smtClean="0"/>
-              <a:t>2019-02-28</a:t>
+              <a:t>2023-01-13</a:t>
             </a:fld>
             <a:endParaRPr lang="ko-KR" altLang="en-US"/>
           </a:p>
@@ -877,10 +869,9 @@
           </a:lstStyle>
           <a:p>
             <a:r>
-              <a:rPr lang="ko-KR" altLang="en-US" smtClean="0"/>
+              <a:rPr lang="ko-KR" altLang="en-US"/>
               <a:t>마스터 제목 스타일 편집</a:t>
             </a:r>
-            <a:endParaRPr lang="ko-KR" altLang="en-US"/>
           </a:p>
         </p:txBody>
       </p:sp>
@@ -997,7 +988,7 @@
           <a:p>
             <a:pPr lvl="0"/>
             <a:r>
-              <a:rPr lang="ko-KR" altLang="en-US" smtClean="0"/>
+              <a:rPr lang="ko-KR" altLang="en-US"/>
               <a:t>마스터 텍스트 스타일 편집</a:t>
             </a:r>
           </a:p>
@@ -1020,7 +1011,7 @@
           <a:p>
             <a:fld id="{7BD7AC0C-D84D-4670-A595-FFDD8E6D85AE}" type="datetimeFigureOut">
               <a:rPr lang="ko-KR" altLang="en-US" smtClean="0"/>
-              <a:t>2019-02-28</a:t>
+              <a:t>2023-01-13</a:t>
             </a:fld>
             <a:endParaRPr lang="ko-KR" altLang="en-US"/>
           </a:p>
@@ -1114,10 +1105,9 @@
           <a:lstStyle/>
           <a:p>
             <a:r>
-              <a:rPr lang="ko-KR" altLang="en-US" smtClean="0"/>
+              <a:rPr lang="ko-KR" altLang="en-US"/>
               <a:t>마스터 제목 스타일 편집</a:t>
             </a:r>
-            <a:endParaRPr lang="ko-KR" altLang="en-US"/>
           </a:p>
         </p:txBody>
       </p:sp>
@@ -1143,38 +1133,37 @@
           <a:p>
             <a:pPr lvl="0"/>
             <a:r>
-              <a:rPr lang="ko-KR" altLang="en-US" smtClean="0"/>
+              <a:rPr lang="ko-KR" altLang="en-US"/>
               <a:t>마스터 텍스트 스타일 편집</a:t>
             </a:r>
           </a:p>
           <a:p>
             <a:pPr lvl="1"/>
             <a:r>
-              <a:rPr lang="ko-KR" altLang="en-US" smtClean="0"/>
+              <a:rPr lang="ko-KR" altLang="en-US"/>
               <a:t>둘째 수준</a:t>
             </a:r>
           </a:p>
           <a:p>
             <a:pPr lvl="2"/>
             <a:r>
-              <a:rPr lang="ko-KR" altLang="en-US" smtClean="0"/>
+              <a:rPr lang="ko-KR" altLang="en-US"/>
               <a:t>셋째 수준</a:t>
             </a:r>
           </a:p>
           <a:p>
             <a:pPr lvl="3"/>
             <a:r>
-              <a:rPr lang="ko-KR" altLang="en-US" smtClean="0"/>
+              <a:rPr lang="ko-KR" altLang="en-US"/>
               <a:t>넷째 수준</a:t>
             </a:r>
           </a:p>
           <a:p>
             <a:pPr lvl="4"/>
             <a:r>
-              <a:rPr lang="ko-KR" altLang="en-US" smtClean="0"/>
+              <a:rPr lang="ko-KR" altLang="en-US"/>
               <a:t>다섯째 수준</a:t>
             </a:r>
-            <a:endParaRPr lang="ko-KR" altLang="en-US"/>
           </a:p>
         </p:txBody>
       </p:sp>
@@ -1200,38 +1189,37 @@
           <a:p>
             <a:pPr lvl="0"/>
             <a:r>
-              <a:rPr lang="ko-KR" altLang="en-US" smtClean="0"/>
+              <a:rPr lang="ko-KR" altLang="en-US"/>
               <a:t>마스터 텍스트 스타일 편집</a:t>
             </a:r>
           </a:p>
           <a:p>
             <a:pPr lvl="1"/>
             <a:r>
-              <a:rPr lang="ko-KR" altLang="en-US" smtClean="0"/>
+              <a:rPr lang="ko-KR" altLang="en-US"/>
               <a:t>둘째 수준</a:t>
             </a:r>
           </a:p>
           <a:p>
             <a:pPr lvl="2"/>
             <a:r>
-              <a:rPr lang="ko-KR" altLang="en-US" smtClean="0"/>
+              <a:rPr lang="ko-KR" altLang="en-US"/>
               <a:t>셋째 수준</a:t>
             </a:r>
           </a:p>
           <a:p>
             <a:pPr lvl="3"/>
             <a:r>
-              <a:rPr lang="ko-KR" altLang="en-US" smtClean="0"/>
+              <a:rPr lang="ko-KR" altLang="en-US"/>
               <a:t>넷째 수준</a:t>
             </a:r>
           </a:p>
           <a:p>
             <a:pPr lvl="4"/>
             <a:r>
-              <a:rPr lang="ko-KR" altLang="en-US" smtClean="0"/>
+              <a:rPr lang="ko-KR" altLang="en-US"/>
               <a:t>다섯째 수준</a:t>
             </a:r>
-            <a:endParaRPr lang="ko-KR" altLang="en-US"/>
           </a:p>
         </p:txBody>
       </p:sp>
@@ -1252,7 +1240,7 @@
           <a:p>
             <a:fld id="{7BD7AC0C-D84D-4670-A595-FFDD8E6D85AE}" type="datetimeFigureOut">
               <a:rPr lang="ko-KR" altLang="en-US" smtClean="0"/>
-              <a:t>2019-02-28</a:t>
+              <a:t>2023-01-13</a:t>
             </a:fld>
             <a:endParaRPr lang="ko-KR" altLang="en-US"/>
           </a:p>
@@ -1351,10 +1339,9 @@
           <a:lstStyle/>
           <a:p>
             <a:r>
-              <a:rPr lang="ko-KR" altLang="en-US" smtClean="0"/>
+              <a:rPr lang="ko-KR" altLang="en-US"/>
               <a:t>마스터 제목 스타일 편집</a:t>
             </a:r>
-            <a:endParaRPr lang="ko-KR" altLang="en-US"/>
           </a:p>
         </p:txBody>
       </p:sp>
@@ -1417,7 +1404,7 @@
           <a:p>
             <a:pPr lvl="0"/>
             <a:r>
-              <a:rPr lang="ko-KR" altLang="en-US" smtClean="0"/>
+              <a:rPr lang="ko-KR" altLang="en-US"/>
               <a:t>마스터 텍스트 스타일 편집</a:t>
             </a:r>
           </a:p>
@@ -1445,38 +1432,37 @@
           <a:p>
             <a:pPr lvl="0"/>
             <a:r>
-              <a:rPr lang="ko-KR" altLang="en-US" smtClean="0"/>
+              <a:rPr lang="ko-KR" altLang="en-US"/>
               <a:t>마스터 텍스트 스타일 편집</a:t>
             </a:r>
           </a:p>
           <a:p>
             <a:pPr lvl="1"/>
             <a:r>
-              <a:rPr lang="ko-KR" altLang="en-US" smtClean="0"/>
+              <a:rPr lang="ko-KR" altLang="en-US"/>
               <a:t>둘째 수준</a:t>
             </a:r>
           </a:p>
           <a:p>
             <a:pPr lvl="2"/>
             <a:r>
-              <a:rPr lang="ko-KR" altLang="en-US" smtClean="0"/>
+              <a:rPr lang="ko-KR" altLang="en-US"/>
               <a:t>셋째 수준</a:t>
             </a:r>
           </a:p>
           <a:p>
             <a:pPr lvl="3"/>
             <a:r>
-              <a:rPr lang="ko-KR" altLang="en-US" smtClean="0"/>
+              <a:rPr lang="ko-KR" altLang="en-US"/>
               <a:t>넷째 수준</a:t>
             </a:r>
           </a:p>
           <a:p>
             <a:pPr lvl="4"/>
             <a:r>
-              <a:rPr lang="ko-KR" altLang="en-US" smtClean="0"/>
+              <a:rPr lang="ko-KR" altLang="en-US"/>
               <a:t>다섯째 수준</a:t>
             </a:r>
-            <a:endParaRPr lang="ko-KR" altLang="en-US"/>
           </a:p>
         </p:txBody>
       </p:sp>
@@ -1539,7 +1525,7 @@
           <a:p>
             <a:pPr lvl="0"/>
             <a:r>
-              <a:rPr lang="ko-KR" altLang="en-US" smtClean="0"/>
+              <a:rPr lang="ko-KR" altLang="en-US"/>
               <a:t>마스터 텍스트 스타일 편집</a:t>
             </a:r>
           </a:p>
@@ -1567,38 +1553,37 @@
           <a:p>
             <a:pPr lvl="0"/>
             <a:r>
-              <a:rPr lang="ko-KR" altLang="en-US" smtClean="0"/>
+              <a:rPr lang="ko-KR" altLang="en-US"/>
               <a:t>마스터 텍스트 스타일 편집</a:t>
             </a:r>
           </a:p>
           <a:p>
             <a:pPr lvl="1"/>
             <a:r>
-              <a:rPr lang="ko-KR" altLang="en-US" smtClean="0"/>
+              <a:rPr lang="ko-KR" altLang="en-US"/>
               <a:t>둘째 수준</a:t>
             </a:r>
           </a:p>
           <a:p>
             <a:pPr lvl="2"/>
             <a:r>
-              <a:rPr lang="ko-KR" altLang="en-US" smtClean="0"/>
+              <a:rPr lang="ko-KR" altLang="en-US"/>
               <a:t>셋째 수준</a:t>
             </a:r>
           </a:p>
           <a:p>
             <a:pPr lvl="3"/>
             <a:r>
-              <a:rPr lang="ko-KR" altLang="en-US" smtClean="0"/>
+              <a:rPr lang="ko-KR" altLang="en-US"/>
               <a:t>넷째 수준</a:t>
             </a:r>
           </a:p>
           <a:p>
             <a:pPr lvl="4"/>
             <a:r>
-              <a:rPr lang="ko-KR" altLang="en-US" smtClean="0"/>
+              <a:rPr lang="ko-KR" altLang="en-US"/>
               <a:t>다섯째 수준</a:t>
             </a:r>
-            <a:endParaRPr lang="ko-KR" altLang="en-US"/>
           </a:p>
         </p:txBody>
       </p:sp>
@@ -1619,7 +1604,7 @@
           <a:p>
             <a:fld id="{7BD7AC0C-D84D-4670-A595-FFDD8E6D85AE}" type="datetimeFigureOut">
               <a:rPr lang="ko-KR" altLang="en-US" smtClean="0"/>
-              <a:t>2019-02-28</a:t>
+              <a:t>2023-01-13</a:t>
             </a:fld>
             <a:endParaRPr lang="ko-KR" altLang="en-US"/>
           </a:p>
@@ -1713,10 +1698,9 @@
           <a:lstStyle/>
           <a:p>
             <a:r>
-              <a:rPr lang="ko-KR" altLang="en-US" smtClean="0"/>
+              <a:rPr lang="ko-KR" altLang="en-US"/>
               <a:t>마스터 제목 스타일 편집</a:t>
             </a:r>
-            <a:endParaRPr lang="ko-KR" altLang="en-US"/>
           </a:p>
         </p:txBody>
       </p:sp>
@@ -1737,7 +1721,7 @@
           <a:p>
             <a:fld id="{7BD7AC0C-D84D-4670-A595-FFDD8E6D85AE}" type="datetimeFigureOut">
               <a:rPr lang="ko-KR" altLang="en-US" smtClean="0"/>
-              <a:t>2019-02-28</a:t>
+              <a:t>2023-01-13</a:t>
             </a:fld>
             <a:endParaRPr lang="ko-KR" altLang="en-US"/>
           </a:p>
@@ -1832,7 +1816,7 @@
           <a:p>
             <a:fld id="{7BD7AC0C-D84D-4670-A595-FFDD8E6D85AE}" type="datetimeFigureOut">
               <a:rPr lang="ko-KR" altLang="en-US" smtClean="0"/>
-              <a:t>2019-02-28</a:t>
+              <a:t>2023-01-13</a:t>
             </a:fld>
             <a:endParaRPr lang="ko-KR" altLang="en-US"/>
           </a:p>
@@ -1935,10 +1919,9 @@
           </a:lstStyle>
           <a:p>
             <a:r>
-              <a:rPr lang="ko-KR" altLang="en-US" smtClean="0"/>
+              <a:rPr lang="ko-KR" altLang="en-US"/>
               <a:t>마스터 제목 스타일 편집</a:t>
             </a:r>
-            <a:endParaRPr lang="ko-KR" altLang="en-US"/>
           </a:p>
         </p:txBody>
       </p:sp>
@@ -1992,38 +1975,37 @@
           <a:p>
             <a:pPr lvl="0"/>
             <a:r>
-              <a:rPr lang="ko-KR" altLang="en-US" smtClean="0"/>
+              <a:rPr lang="ko-KR" altLang="en-US"/>
               <a:t>마스터 텍스트 스타일 편집</a:t>
             </a:r>
           </a:p>
           <a:p>
             <a:pPr lvl="1"/>
             <a:r>
-              <a:rPr lang="ko-KR" altLang="en-US" smtClean="0"/>
+              <a:rPr lang="ko-KR" altLang="en-US"/>
               <a:t>둘째 수준</a:t>
             </a:r>
           </a:p>
           <a:p>
             <a:pPr lvl="2"/>
             <a:r>
-              <a:rPr lang="ko-KR" altLang="en-US" smtClean="0"/>
+              <a:rPr lang="ko-KR" altLang="en-US"/>
               <a:t>셋째 수준</a:t>
             </a:r>
           </a:p>
           <a:p>
             <a:pPr lvl="3"/>
             <a:r>
-              <a:rPr lang="ko-KR" altLang="en-US" smtClean="0"/>
+              <a:rPr lang="ko-KR" altLang="en-US"/>
               <a:t>넷째 수준</a:t>
             </a:r>
           </a:p>
           <a:p>
             <a:pPr lvl="4"/>
             <a:r>
-              <a:rPr lang="ko-KR" altLang="en-US" smtClean="0"/>
+              <a:rPr lang="ko-KR" altLang="en-US"/>
               <a:t>다섯째 수준</a:t>
             </a:r>
-            <a:endParaRPr lang="ko-KR" altLang="en-US"/>
           </a:p>
         </p:txBody>
       </p:sp>
@@ -2086,7 +2068,7 @@
           <a:p>
             <a:pPr lvl="0"/>
             <a:r>
-              <a:rPr lang="ko-KR" altLang="en-US" smtClean="0"/>
+              <a:rPr lang="ko-KR" altLang="en-US"/>
               <a:t>마스터 텍스트 스타일 편집</a:t>
             </a:r>
           </a:p>
@@ -2109,7 +2091,7 @@
           <a:p>
             <a:fld id="{7BD7AC0C-D84D-4670-A595-FFDD8E6D85AE}" type="datetimeFigureOut">
               <a:rPr lang="ko-KR" altLang="en-US" smtClean="0"/>
-              <a:t>2019-02-28</a:t>
+              <a:t>2023-01-13</a:t>
             </a:fld>
             <a:endParaRPr lang="ko-KR" altLang="en-US"/>
           </a:p>
@@ -2212,10 +2194,9 @@
           </a:lstStyle>
           <a:p>
             <a:r>
-              <a:rPr lang="ko-KR" altLang="en-US" smtClean="0"/>
+              <a:rPr lang="ko-KR" altLang="en-US"/>
               <a:t>마스터 제목 스타일 편집</a:t>
             </a:r>
-            <a:endParaRPr lang="ko-KR" altLang="en-US"/>
           </a:p>
         </p:txBody>
       </p:sp>
@@ -2339,7 +2320,7 @@
           <a:p>
             <a:pPr lvl="0"/>
             <a:r>
-              <a:rPr lang="ko-KR" altLang="en-US" smtClean="0"/>
+              <a:rPr lang="ko-KR" altLang="en-US"/>
               <a:t>마스터 텍스트 스타일 편집</a:t>
             </a:r>
           </a:p>
@@ -2362,7 +2343,7 @@
           <a:p>
             <a:fld id="{7BD7AC0C-D84D-4670-A595-FFDD8E6D85AE}" type="datetimeFigureOut">
               <a:rPr lang="ko-KR" altLang="en-US" smtClean="0"/>
-              <a:t>2019-02-28</a:t>
+              <a:t>2023-01-13</a:t>
             </a:fld>
             <a:endParaRPr lang="ko-KR" altLang="en-US"/>
           </a:p>
@@ -2471,10 +2452,9 @@
           <a:lstStyle/>
           <a:p>
             <a:r>
-              <a:rPr lang="ko-KR" altLang="en-US" smtClean="0"/>
+              <a:rPr lang="ko-KR" altLang="en-US"/>
               <a:t>마스터 제목 스타일 편집</a:t>
             </a:r>
-            <a:endParaRPr lang="ko-KR" altLang="en-US"/>
           </a:p>
         </p:txBody>
       </p:sp>
@@ -2505,38 +2485,37 @@
           <a:p>
             <a:pPr lvl="0"/>
             <a:r>
-              <a:rPr lang="ko-KR" altLang="en-US" smtClean="0"/>
+              <a:rPr lang="ko-KR" altLang="en-US"/>
               <a:t>마스터 텍스트 스타일 편집</a:t>
             </a:r>
           </a:p>
           <a:p>
             <a:pPr lvl="1"/>
             <a:r>
-              <a:rPr lang="ko-KR" altLang="en-US" smtClean="0"/>
+              <a:rPr lang="ko-KR" altLang="en-US"/>
               <a:t>둘째 수준</a:t>
             </a:r>
           </a:p>
           <a:p>
             <a:pPr lvl="2"/>
             <a:r>
-              <a:rPr lang="ko-KR" altLang="en-US" smtClean="0"/>
+              <a:rPr lang="ko-KR" altLang="en-US"/>
               <a:t>셋째 수준</a:t>
             </a:r>
           </a:p>
           <a:p>
             <a:pPr lvl="3"/>
             <a:r>
-              <a:rPr lang="ko-KR" altLang="en-US" smtClean="0"/>
+              <a:rPr lang="ko-KR" altLang="en-US"/>
               <a:t>넷째 수준</a:t>
             </a:r>
           </a:p>
           <a:p>
             <a:pPr lvl="4"/>
             <a:r>
-              <a:rPr lang="ko-KR" altLang="en-US" smtClean="0"/>
+              <a:rPr lang="ko-KR" altLang="en-US"/>
               <a:t>다섯째 수준</a:t>
             </a:r>
-            <a:endParaRPr lang="ko-KR" altLang="en-US"/>
           </a:p>
         </p:txBody>
       </p:sp>
@@ -2575,7 +2554,7 @@
           <a:p>
             <a:fld id="{7BD7AC0C-D84D-4670-A595-FFDD8E6D85AE}" type="datetimeFigureOut">
               <a:rPr lang="ko-KR" altLang="en-US" smtClean="0"/>
-              <a:t>2019-02-28</a:t>
+              <a:t>2023-01-13</a:t>
             </a:fld>
             <a:endParaRPr lang="ko-KR" altLang="en-US"/>
           </a:p>
@@ -3026,18 +3005,17 @@
           <a:lstStyle/>
           <a:p>
             <a:r>
-              <a:rPr lang="en-US" altLang="ko-KR" dirty="0" err="1" smtClean="0"/>
+              <a:rPr lang="en-US" altLang="ko-KR" dirty="0" err="1"/>
               <a:t>OrCAD</a:t>
             </a:r>
             <a:r>
-              <a:rPr lang="en-US" altLang="ko-KR" dirty="0" smtClean="0"/>
+              <a:rPr lang="en-US" altLang="ko-KR" dirty="0"/>
               <a:t> </a:t>
             </a:r>
             <a:r>
-              <a:rPr lang="ko-KR" altLang="en-US" dirty="0" smtClean="0"/>
+              <a:rPr lang="ko-KR" altLang="en-US" dirty="0"/>
               <a:t>사용법</a:t>
             </a:r>
-            <a:endParaRPr lang="ko-KR" altLang="en-US" dirty="0"/>
           </a:p>
         </p:txBody>
       </p:sp>
@@ -3070,13 +3048,6 @@
   <p:clrMapOvr>
     <a:masterClrMapping/>
   </p:clrMapOvr>
-  <p:timing>
-    <p:tnLst>
-      <p:par>
-        <p:cTn id="1" dur="indefinite" restart="never" nodeType="tmRoot"/>
-      </p:par>
-    </p:tnLst>
-  </p:timing>
 </p:sld>
 </file>
 
@@ -3167,18 +3138,17 @@
           <a:lstStyle/>
           <a:p>
             <a:r>
-              <a:rPr lang="en-US" altLang="ko-KR" dirty="0" err="1" smtClean="0"/>
+              <a:rPr lang="en-US" altLang="ko-KR" dirty="0" err="1"/>
               <a:t>Pspice</a:t>
             </a:r>
             <a:r>
-              <a:rPr lang="en-US" altLang="ko-KR" dirty="0" smtClean="0"/>
+              <a:rPr lang="en-US" altLang="ko-KR" dirty="0"/>
               <a:t>-&gt;New Simulation Profile </a:t>
             </a:r>
             <a:r>
-              <a:rPr lang="ko-KR" altLang="en-US" dirty="0" smtClean="0"/>
+              <a:rPr lang="ko-KR" altLang="en-US" dirty="0"/>
               <a:t>선택</a:t>
             </a:r>
-            <a:endParaRPr lang="ko-KR" altLang="en-US" dirty="0"/>
           </a:p>
         </p:txBody>
       </p:sp>
@@ -3229,26 +3199,25 @@
           <a:lstStyle/>
           <a:p>
             <a:r>
-              <a:rPr lang="ko-KR" altLang="en-US" dirty="0" smtClean="0"/>
+              <a:rPr lang="ko-KR" altLang="en-US" dirty="0"/>
               <a:t>이름 </a:t>
             </a:r>
             <a:r>
-              <a:rPr lang="ko-KR" altLang="en-US" dirty="0" err="1" smtClean="0"/>
+              <a:rPr lang="ko-KR" altLang="en-US" dirty="0" err="1"/>
               <a:t>입력후</a:t>
             </a:r>
             <a:r>
-              <a:rPr lang="ko-KR" altLang="en-US" dirty="0" smtClean="0"/>
+              <a:rPr lang="ko-KR" altLang="en-US" dirty="0"/>
               <a:t> </a:t>
             </a:r>
             <a:r>
-              <a:rPr lang="en-US" altLang="ko-KR" dirty="0" smtClean="0"/>
+              <a:rPr lang="en-US" altLang="ko-KR" dirty="0"/>
               <a:t>Create </a:t>
             </a:r>
             <a:r>
-              <a:rPr lang="ko-KR" altLang="en-US" dirty="0" smtClean="0"/>
+              <a:rPr lang="ko-KR" altLang="en-US" dirty="0"/>
               <a:t>선택</a:t>
             </a:r>
-            <a:endParaRPr lang="ko-KR" altLang="en-US" dirty="0"/>
           </a:p>
         </p:txBody>
       </p:sp>
@@ -3345,14 +3314,13 @@
           <a:lstStyle/>
           <a:p>
             <a:r>
-              <a:rPr lang="en-US" altLang="ko-KR" dirty="0" smtClean="0"/>
+              <a:rPr lang="en-US" altLang="ko-KR" dirty="0"/>
               <a:t>Run to time</a:t>
             </a:r>
             <a:r>
-              <a:rPr lang="ko-KR" altLang="en-US" dirty="0" smtClean="0"/>
+              <a:rPr lang="ko-KR" altLang="en-US" dirty="0"/>
               <a:t>을 통해 시뮬레이션 시간 설정</a:t>
             </a:r>
-            <a:endParaRPr lang="ko-KR" altLang="en-US" dirty="0"/>
           </a:p>
         </p:txBody>
       </p:sp>
@@ -3366,13 +3334,6 @@
   <p:clrMapOvr>
     <a:masterClrMapping/>
   </p:clrMapOvr>
-  <p:timing>
-    <p:tnLst>
-      <p:par>
-        <p:cTn id="1" dur="indefinite" restart="never" nodeType="tmRoot"/>
-      </p:par>
-    </p:tnLst>
-  </p:timing>
 </p:sld>
 </file>
 
@@ -3592,10 +3553,9 @@
           <a:lstStyle/>
           <a:p>
             <a:r>
-              <a:rPr lang="ko-KR" altLang="en-US" sz="1400" b="1" dirty="0" smtClean="0"/>
+              <a:rPr lang="ko-KR" altLang="en-US" sz="1400" b="1" dirty="0"/>
               <a:t>전류 디스플레이</a:t>
             </a:r>
-            <a:endParaRPr lang="ko-KR" altLang="en-US" sz="1400" b="1" dirty="0"/>
           </a:p>
         </p:txBody>
       </p:sp>
@@ -3707,14 +3667,13 @@
           <a:lstStyle/>
           <a:p>
             <a:r>
-              <a:rPr lang="en-US" altLang="ko-KR" dirty="0" smtClean="0"/>
+              <a:rPr lang="en-US" altLang="ko-KR" dirty="0"/>
               <a:t>Run</a:t>
             </a:r>
             <a:r>
-              <a:rPr lang="ko-KR" altLang="en-US" dirty="0" smtClean="0"/>
+              <a:rPr lang="ko-KR" altLang="en-US" dirty="0"/>
               <a:t>을 클릭해 시뮬레이션 실행</a:t>
             </a:r>
-            <a:endParaRPr lang="ko-KR" altLang="en-US" dirty="0"/>
           </a:p>
         </p:txBody>
       </p:sp>
@@ -3741,14 +3700,9 @@
           <a:lstStyle/>
           <a:p>
             <a:r>
-              <a:rPr lang="ko-KR" altLang="en-US" sz="1400" b="1" dirty="0" smtClean="0"/>
-              <a:t>전압 </a:t>
-            </a:r>
-            <a:r>
-              <a:rPr lang="ko-KR" altLang="en-US" sz="1400" b="1" dirty="0" smtClean="0"/>
-              <a:t>디스플레이</a:t>
-            </a:r>
-            <a:endParaRPr lang="ko-KR" altLang="en-US" sz="1400" b="1" dirty="0"/>
+              <a:rPr lang="ko-KR" altLang="en-US" sz="1400" b="1" dirty="0"/>
+              <a:t>전압 디스플레이</a:t>
+            </a:r>
           </a:p>
         </p:txBody>
       </p:sp>
@@ -3762,13 +3716,6 @@
   <p:clrMapOvr>
     <a:masterClrMapping/>
   </p:clrMapOvr>
-  <p:timing>
-    <p:tnLst>
-      <p:par>
-        <p:cTn id="1" dur="indefinite" restart="never" nodeType="tmRoot"/>
-      </p:par>
-    </p:tnLst>
-  </p:timing>
 </p:sld>
 </file>
 
@@ -3956,15 +3903,15 @@
           <a:lstStyle/>
           <a:p>
             <a:r>
-              <a:rPr lang="en-US" altLang="ko-KR" dirty="0" smtClean="0"/>
+              <a:rPr lang="en-US" altLang="ko-KR" dirty="0"/>
               <a:t>Trace</a:t>
             </a:r>
             <a:r>
-              <a:rPr lang="ko-KR" altLang="en-US" dirty="0" smtClean="0"/>
+              <a:rPr lang="ko-KR" altLang="en-US" dirty="0"/>
               <a:t>하고자 하는 대상을 선택하여 파형을 관측함</a:t>
             </a:r>
             <a:r>
-              <a:rPr lang="en-US" altLang="ko-KR" dirty="0" smtClean="0"/>
+              <a:rPr lang="en-US" altLang="ko-KR" dirty="0"/>
               <a:t>.</a:t>
             </a:r>
             <a:endParaRPr lang="ko-KR" altLang="en-US" dirty="0"/>
@@ -4009,13 +3956,6 @@
   <p:clrMapOvr>
     <a:masterClrMapping/>
   </p:clrMapOvr>
-  <p:timing>
-    <p:tnLst>
-      <p:par>
-        <p:cTn id="1" dur="indefinite" restart="never" nodeType="tmRoot"/>
-      </p:par>
-    </p:tnLst>
-  </p:timing>
 </p:sld>
 </file>
 
@@ -4052,7 +3992,7 @@
           <a:lstStyle/>
           <a:p>
             <a:r>
-              <a:rPr lang="en-US" altLang="ko-KR" b="1" dirty="0" smtClean="0"/>
+              <a:rPr lang="en-US" altLang="ko-KR" b="1" dirty="0"/>
               <a:t>Install</a:t>
             </a:r>
             <a:endParaRPr lang="ko-KR" altLang="en-US" b="1" dirty="0"/>
@@ -4082,29 +4022,29 @@
           <a:lstStyle/>
           <a:p>
             <a:r>
-              <a:rPr lang="en-US" altLang="ko-KR" dirty="0" smtClean="0">
+              <a:rPr lang="en-US" altLang="ko-KR" dirty="0">
                 <a:hlinkClick r:id="rId2"/>
               </a:rPr>
               <a:t>http://www.orcad.com/</a:t>
             </a:r>
             <a:r>
-              <a:rPr lang="en-US" altLang="ko-KR" dirty="0" smtClean="0"/>
+              <a:rPr lang="en-US" altLang="ko-KR" dirty="0"/>
               <a:t> </a:t>
             </a:r>
             <a:r>
-              <a:rPr lang="ko-KR" altLang="en-US" dirty="0" smtClean="0"/>
+              <a:rPr lang="ko-KR" altLang="en-US" dirty="0"/>
               <a:t>접속 </a:t>
             </a:r>
             <a:r>
-              <a:rPr lang="en-US" altLang="ko-KR" dirty="0" smtClean="0"/>
+              <a:rPr lang="en-US" altLang="ko-KR" dirty="0"/>
               <a:t>-&gt; RESOURCES -&gt; Download </a:t>
             </a:r>
             <a:r>
-              <a:rPr lang="en-US" altLang="ko-KR" dirty="0" err="1" smtClean="0"/>
+              <a:rPr lang="en-US" altLang="ko-KR" dirty="0" err="1"/>
               <a:t>OrCAD</a:t>
             </a:r>
             <a:r>
-              <a:rPr lang="en-US" altLang="ko-KR" dirty="0" smtClean="0"/>
+              <a:rPr lang="en-US" altLang="ko-KR" dirty="0"/>
               <a:t> Lite </a:t>
             </a:r>
             <a:endParaRPr lang="ko-KR" altLang="en-US" dirty="0"/>
@@ -4113,7 +4053,13 @@
       </p:sp>
       <p:pic>
         <p:nvPicPr>
-          <p:cNvPr id="7" name="그림 6"/>
+          <p:cNvPr id="3" name="그림 2">
+            <a:extLst>
+              <a:ext uri="{FF2B5EF4-FFF2-40B4-BE49-F238E27FC236}">
+                <a16:creationId xmlns:a16="http://schemas.microsoft.com/office/drawing/2014/main" id="{9B40F5A7-9BEE-4668-961C-429B69EEF5E2}"/>
+              </a:ext>
+            </a:extLst>
+          </p:cNvPr>
           <p:cNvPicPr>
             <a:picLocks noChangeAspect="1"/>
           </p:cNvPicPr>
@@ -4127,14 +4073,66 @@
         </p:blipFill>
         <p:spPr>
           <a:xfrm>
-            <a:off x="2175164" y="1391274"/>
-            <a:ext cx="7556269" cy="4582191"/>
+            <a:off x="2771124" y="1312321"/>
+            <a:ext cx="6649752" cy="4541906"/>
           </a:xfrm>
           <a:prstGeom prst="rect">
             <a:avLst/>
           </a:prstGeom>
         </p:spPr>
       </p:pic>
+      <p:sp>
+        <p:nvSpPr>
+          <p:cNvPr id="4" name="직사각형 3">
+            <a:extLst>
+              <a:ext uri="{FF2B5EF4-FFF2-40B4-BE49-F238E27FC236}">
+                <a16:creationId xmlns:a16="http://schemas.microsoft.com/office/drawing/2014/main" id="{2557BBC2-E8B9-40B6-B604-C753A5A5D1DA}"/>
+              </a:ext>
+            </a:extLst>
+          </p:cNvPr>
+          <p:cNvSpPr/>
+          <p:nvPr/>
+        </p:nvSpPr>
+        <p:spPr>
+          <a:xfrm>
+            <a:off x="6263037" y="1620867"/>
+            <a:ext cx="573248" cy="189059"/>
+          </a:xfrm>
+          <a:prstGeom prst="rect">
+            <a:avLst/>
+          </a:prstGeom>
+          <a:noFill/>
+          <a:ln>
+            <a:solidFill>
+              <a:srgbClr val="FF0000"/>
+            </a:solidFill>
+          </a:ln>
+        </p:spPr>
+        <p:style>
+          <a:lnRef idx="2">
+            <a:schemeClr val="accent1">
+              <a:shade val="50000"/>
+            </a:schemeClr>
+          </a:lnRef>
+          <a:fillRef idx="1">
+            <a:schemeClr val="accent1"/>
+          </a:fillRef>
+          <a:effectRef idx="0">
+            <a:schemeClr val="accent1"/>
+          </a:effectRef>
+          <a:fontRef idx="minor">
+            <a:schemeClr val="lt1"/>
+          </a:fontRef>
+        </p:style>
+        <p:txBody>
+          <a:bodyPr rtlCol="0" anchor="ctr"/>
+          <a:lstStyle/>
+          <a:p>
+            <a:pPr algn="ctr"/>
+            <a:endParaRPr lang="ko-KR" altLang="en-US"/>
+          </a:p>
+        </p:txBody>
+      </p:sp>
     </p:spTree>
     <p:extLst>
       <p:ext uri="{BB962C8B-B14F-4D97-AF65-F5344CB8AC3E}">
@@ -4145,13 +4143,6 @@
   <p:clrMapOvr>
     <a:masterClrMapping/>
   </p:clrMapOvr>
-  <p:timing>
-    <p:tnLst>
-      <p:par>
-        <p:cTn id="1" dur="indefinite" restart="never" nodeType="tmRoot"/>
-      </p:par>
-    </p:tnLst>
-  </p:timing>
 </p:sld>
 </file>
 
@@ -4456,7 +4447,7 @@
           <a:lstStyle/>
           <a:p>
             <a:r>
-              <a:rPr lang="en-US" altLang="ko-KR" dirty="0" smtClean="0">
+              <a:rPr lang="en-US" altLang="ko-KR" dirty="0">
                 <a:solidFill>
                   <a:srgbClr val="FF0000"/>
                 </a:solidFill>
@@ -4464,18 +4455,13 @@
               <a:t>* </a:t>
             </a:r>
             <a:r>
-              <a:rPr lang="ko-KR" altLang="en-US" dirty="0" smtClean="0">
+              <a:rPr lang="ko-KR" altLang="en-US" dirty="0">
                 <a:solidFill>
                   <a:srgbClr val="FF0000"/>
                 </a:solidFill>
               </a:rPr>
               <a:t>표시된 부분 작성 후 이메일로 설치 파일 확인 가능</a:t>
             </a:r>
-            <a:endParaRPr lang="ko-KR" altLang="en-US" dirty="0">
-              <a:solidFill>
-                <a:srgbClr val="FF0000"/>
-              </a:solidFill>
-            </a:endParaRPr>
           </a:p>
         </p:txBody>
       </p:sp>
@@ -4489,13 +4475,6 @@
   <p:clrMapOvr>
     <a:masterClrMapping/>
   </p:clrMapOvr>
-  <p:timing>
-    <p:tnLst>
-      <p:par>
-        <p:cTn id="1" dur="indefinite" restart="never" nodeType="tmRoot"/>
-      </p:par>
-    </p:tnLst>
-  </p:timing>
 </p:sld>
 </file>
 
@@ -4532,7 +4511,7 @@
           <a:lstStyle/>
           <a:p>
             <a:r>
-              <a:rPr lang="en-US" altLang="ko-KR" b="1" dirty="0" smtClean="0"/>
+              <a:rPr lang="en-US" altLang="ko-KR" b="1" dirty="0"/>
               <a:t>Simulation</a:t>
             </a:r>
             <a:endParaRPr lang="ko-KR" altLang="en-US" b="1" dirty="0"/>
@@ -4704,19 +4683,19 @@
           <a:lstStyle/>
           <a:p>
             <a:r>
-              <a:rPr lang="en-US" altLang="ko-KR" dirty="0" err="1" smtClean="0"/>
+              <a:rPr lang="en-US" altLang="ko-KR" dirty="0" err="1"/>
               <a:t>OrCAD</a:t>
             </a:r>
             <a:r>
-              <a:rPr lang="en-US" altLang="ko-KR" dirty="0" smtClean="0"/>
+              <a:rPr lang="en-US" altLang="ko-KR" dirty="0"/>
               <a:t> Capture CIS Lite </a:t>
             </a:r>
             <a:r>
-              <a:rPr lang="ko-KR" altLang="en-US" dirty="0" smtClean="0"/>
+              <a:rPr lang="ko-KR" altLang="en-US" dirty="0"/>
               <a:t>실행</a:t>
             </a:r>
             <a:r>
-              <a:rPr lang="en-US" altLang="ko-KR" dirty="0" smtClean="0"/>
+              <a:rPr lang="en-US" altLang="ko-KR" dirty="0"/>
               <a:t> -&gt; File -&gt; New -&gt; Project</a:t>
             </a:r>
             <a:endParaRPr lang="ko-KR" altLang="en-US" dirty="0"/>
@@ -4733,13 +4712,6 @@
   <p:clrMapOvr>
     <a:masterClrMapping/>
   </p:clrMapOvr>
-  <p:timing>
-    <p:tnLst>
-      <p:par>
-        <p:cTn id="1" dur="indefinite" restart="never" nodeType="tmRoot"/>
-      </p:par>
-    </p:tnLst>
-  </p:timing>
 </p:sld>
 </file>
 
@@ -5003,13 +4975,6 @@
   <p:clrMapOvr>
     <a:masterClrMapping/>
   </p:clrMapOvr>
-  <p:timing>
-    <p:tnLst>
-      <p:par>
-        <p:cTn id="1" dur="indefinite" restart="never" nodeType="tmRoot"/>
-      </p:par>
-    </p:tnLst>
-  </p:timing>
 </p:sld>
 </file>
 
@@ -5100,10 +5065,9 @@
           <a:lstStyle/>
           <a:p>
             <a:r>
-              <a:rPr lang="ko-KR" altLang="en-US" dirty="0" smtClean="0"/>
+              <a:rPr lang="ko-KR" altLang="en-US" dirty="0"/>
               <a:t>회로도 편집</a:t>
             </a:r>
-            <a:endParaRPr lang="ko-KR" altLang="en-US" dirty="0"/>
           </a:p>
         </p:txBody>
       </p:sp>
@@ -5163,13 +5127,6 @@
   <p:clrMapOvr>
     <a:masterClrMapping/>
   </p:clrMapOvr>
-  <p:timing>
-    <p:tnLst>
-      <p:par>
-        <p:cTn id="1" dur="indefinite" restart="never" nodeType="tmRoot"/>
-      </p:par>
-    </p:tnLst>
-  </p:timing>
 </p:sld>
 </file>
 
@@ -5472,10 +5429,9 @@
           <a:lstStyle/>
           <a:p>
             <a:r>
-              <a:rPr lang="ko-KR" altLang="en-US" dirty="0" smtClean="0"/>
+              <a:rPr lang="ko-KR" altLang="en-US" dirty="0"/>
               <a:t>모든 라이브러리 불러오기</a:t>
             </a:r>
-            <a:endParaRPr lang="ko-KR" altLang="en-US" dirty="0"/>
           </a:p>
         </p:txBody>
       </p:sp>
@@ -5502,14 +5458,13 @@
           <a:lstStyle/>
           <a:p>
             <a:r>
-              <a:rPr lang="en-US" altLang="ko-KR" dirty="0" smtClean="0"/>
+              <a:rPr lang="en-US" altLang="ko-KR" dirty="0"/>
               <a:t>Place part </a:t>
             </a:r>
             <a:r>
-              <a:rPr lang="ko-KR" altLang="en-US" dirty="0" smtClean="0"/>
+              <a:rPr lang="ko-KR" altLang="en-US" dirty="0"/>
               <a:t>선택</a:t>
             </a:r>
-            <a:endParaRPr lang="ko-KR" altLang="en-US" dirty="0"/>
           </a:p>
         </p:txBody>
       </p:sp>
@@ -5536,14 +5491,13 @@
           <a:lstStyle/>
           <a:p>
             <a:r>
-              <a:rPr lang="en-US" altLang="ko-KR" dirty="0" smtClean="0"/>
+              <a:rPr lang="en-US" altLang="ko-KR" dirty="0"/>
               <a:t>Add Library </a:t>
             </a:r>
             <a:r>
-              <a:rPr lang="ko-KR" altLang="en-US" dirty="0" smtClean="0"/>
+              <a:rPr lang="ko-KR" altLang="en-US" dirty="0"/>
               <a:t>선택</a:t>
             </a:r>
-            <a:endParaRPr lang="ko-KR" altLang="en-US" dirty="0"/>
           </a:p>
         </p:txBody>
       </p:sp>
@@ -5652,10 +5606,9 @@
           <a:lstStyle/>
           <a:p>
             <a:r>
-              <a:rPr lang="ko-KR" altLang="en-US" dirty="0" smtClean="0"/>
+              <a:rPr lang="ko-KR" altLang="en-US" dirty="0"/>
               <a:t>원하는 부품 이름 입력</a:t>
             </a:r>
-            <a:endParaRPr lang="ko-KR" altLang="en-US" dirty="0"/>
           </a:p>
         </p:txBody>
       </p:sp>
@@ -5669,13 +5622,6 @@
   <p:clrMapOvr>
     <a:masterClrMapping/>
   </p:clrMapOvr>
-  <p:timing>
-    <p:tnLst>
-      <p:par>
-        <p:cTn id="1" dur="indefinite" restart="never" nodeType="tmRoot"/>
-      </p:par>
-    </p:tnLst>
-  </p:timing>
 </p:sld>
 </file>
 
@@ -5766,26 +5712,25 @@
           <a:lstStyle/>
           <a:p>
             <a:r>
-              <a:rPr lang="ko-KR" altLang="en-US" sz="1000" dirty="0" smtClean="0"/>
+              <a:rPr lang="ko-KR" altLang="en-US" sz="1000" dirty="0"/>
               <a:t>원하는 위치에 부품을 놓은 뒤</a:t>
             </a:r>
             <a:r>
-              <a:rPr lang="en-US" altLang="ko-KR" sz="1000" dirty="0" smtClean="0"/>
+              <a:rPr lang="en-US" altLang="ko-KR" sz="1000" dirty="0"/>
               <a:t>, </a:t>
             </a:r>
             <a:r>
-              <a:rPr lang="ko-KR" altLang="en-US" sz="1000" dirty="0" smtClean="0"/>
+              <a:rPr lang="ko-KR" altLang="en-US" sz="1000" dirty="0"/>
               <a:t>마우스 오른쪽 버튼 클릭 후</a:t>
             </a:r>
             <a:r>
-              <a:rPr lang="en-US" altLang="ko-KR" sz="1000" dirty="0" smtClean="0"/>
+              <a:rPr lang="en-US" altLang="ko-KR" sz="1000" dirty="0"/>
               <a:t>, End Mode </a:t>
             </a:r>
             <a:r>
-              <a:rPr lang="ko-KR" altLang="en-US" sz="1000" dirty="0" smtClean="0"/>
+              <a:rPr lang="ko-KR" altLang="en-US" sz="1000" dirty="0"/>
               <a:t>클릭하여 현재 작업 종료</a:t>
             </a:r>
-            <a:endParaRPr lang="ko-KR" altLang="en-US" sz="1000" dirty="0"/>
           </a:p>
         </p:txBody>
       </p:sp>
@@ -5836,18 +5781,17 @@
           <a:lstStyle/>
           <a:p>
             <a:r>
-              <a:rPr lang="ko-KR" altLang="en-US" sz="1000" dirty="0" smtClean="0"/>
+              <a:rPr lang="ko-KR" altLang="en-US" sz="1000" dirty="0"/>
               <a:t>부품을 클릭한 다음 마우스 오른쪽 버튼 클릭 후</a:t>
             </a:r>
             <a:r>
-              <a:rPr lang="en-US" altLang="ko-KR" sz="1000" dirty="0" smtClean="0"/>
+              <a:rPr lang="en-US" altLang="ko-KR" sz="1000" dirty="0"/>
               <a:t>, Rotate </a:t>
             </a:r>
             <a:r>
-              <a:rPr lang="ko-KR" altLang="en-US" sz="1000" dirty="0" smtClean="0"/>
+              <a:rPr lang="ko-KR" altLang="en-US" sz="1000" dirty="0"/>
               <a:t>선택 시 부품 회전 가능</a:t>
             </a:r>
-            <a:endParaRPr lang="ko-KR" altLang="en-US" sz="1000" dirty="0"/>
           </a:p>
         </p:txBody>
       </p:sp>
@@ -5958,18 +5902,13 @@
           <a:lstStyle/>
           <a:p>
             <a:r>
-              <a:rPr lang="en-US" altLang="ko-KR" dirty="0" smtClean="0"/>
+              <a:rPr lang="en-US" altLang="ko-KR" dirty="0"/>
               <a:t>Place wire</a:t>
             </a:r>
             <a:r>
               <a:rPr lang="ko-KR" altLang="en-US" dirty="0"/>
-              <a:t> </a:t>
-            </a:r>
-            <a:r>
-              <a:rPr lang="ko-KR" altLang="en-US" dirty="0" smtClean="0"/>
-              <a:t>선택</a:t>
-            </a:r>
-            <a:endParaRPr lang="ko-KR" altLang="en-US" dirty="0"/>
+              <a:t> 선택</a:t>
+            </a:r>
           </a:p>
         </p:txBody>
       </p:sp>
@@ -5996,14 +5935,13 @@
           <a:lstStyle/>
           <a:p>
             <a:r>
-              <a:rPr lang="en-US" altLang="ko-KR" dirty="0" smtClean="0"/>
+              <a:rPr lang="en-US" altLang="ko-KR" dirty="0"/>
               <a:t>Place wire</a:t>
             </a:r>
             <a:r>
-              <a:rPr lang="ko-KR" altLang="en-US" dirty="0" smtClean="0"/>
+              <a:rPr lang="ko-KR" altLang="en-US" dirty="0"/>
               <a:t>를 통해 선 연결</a:t>
             </a:r>
-            <a:endParaRPr lang="ko-KR" altLang="en-US" dirty="0"/>
           </a:p>
         </p:txBody>
       </p:sp>
@@ -6124,14 +6062,13 @@
           <a:lstStyle/>
           <a:p>
             <a:r>
-              <a:rPr lang="en-US" altLang="ko-KR" dirty="0" smtClean="0"/>
+              <a:rPr lang="en-US" altLang="ko-KR" dirty="0"/>
               <a:t>Place ground</a:t>
             </a:r>
             <a:r>
-              <a:rPr lang="ko-KR" altLang="en-US" dirty="0" smtClean="0"/>
+              <a:rPr lang="ko-KR" altLang="en-US" dirty="0"/>
               <a:t>를 통해 접지</a:t>
             </a:r>
-            <a:endParaRPr lang="ko-KR" altLang="en-US" dirty="0"/>
           </a:p>
         </p:txBody>
       </p:sp>
@@ -6145,13 +6082,6 @@
   <p:clrMapOvr>
     <a:masterClrMapping/>
   </p:clrMapOvr>
-  <p:timing>
-    <p:tnLst>
-      <p:par>
-        <p:cTn id="1" dur="indefinite" restart="never" nodeType="tmRoot"/>
-      </p:par>
-    </p:tnLst>
-  </p:timing>
 </p:sld>
 </file>
 
@@ -6244,10 +6174,9 @@
           <a:lstStyle/>
           <a:p>
             <a:r>
-              <a:rPr lang="ko-KR" altLang="en-US" dirty="0" smtClean="0"/>
+              <a:rPr lang="ko-KR" altLang="en-US" dirty="0"/>
               <a:t>더블 클릭을 통해 값 수정 </a:t>
             </a:r>
-            <a:endParaRPr lang="ko-KR" altLang="en-US" dirty="0"/>
           </a:p>
         </p:txBody>
       </p:sp>
@@ -6486,22 +6415,17 @@
           <a:lstStyle/>
           <a:p>
             <a:r>
-              <a:rPr lang="ko-KR" altLang="en-US" dirty="0" smtClean="0"/>
-              <a:t>전압 </a:t>
-            </a:r>
-            <a:r>
-              <a:rPr lang="ko-KR" altLang="en-US" dirty="0" smtClean="0"/>
-              <a:t>파형</a:t>
-            </a:r>
-            <a:r>
-              <a:rPr lang="en-US" altLang="ko-KR" dirty="0" smtClean="0"/>
+              <a:rPr lang="ko-KR" altLang="en-US" dirty="0"/>
+              <a:t>전압 파형</a:t>
+            </a:r>
+            <a:r>
+              <a:rPr lang="en-US" altLang="ko-KR" dirty="0"/>
               <a:t> </a:t>
             </a:r>
             <a:r>
-              <a:rPr lang="ko-KR" altLang="en-US" dirty="0" smtClean="0"/>
+              <a:rPr lang="ko-KR" altLang="en-US" dirty="0"/>
               <a:t>측정</a:t>
             </a:r>
-            <a:endParaRPr lang="ko-KR" altLang="en-US" dirty="0"/>
           </a:p>
         </p:txBody>
       </p:sp>
@@ -6528,14 +6452,9 @@
           <a:lstStyle/>
           <a:p>
             <a:r>
-              <a:rPr lang="ko-KR" altLang="en-US" dirty="0" smtClean="0"/>
-              <a:t>전류 </a:t>
-            </a:r>
-            <a:r>
-              <a:rPr lang="ko-KR" altLang="en-US" dirty="0" smtClean="0"/>
-              <a:t>파형 측정</a:t>
-            </a:r>
-            <a:endParaRPr lang="ko-KR" altLang="en-US" dirty="0"/>
+              <a:rPr lang="ko-KR" altLang="en-US" dirty="0"/>
+              <a:t>전류 파형 측정</a:t>
+            </a:r>
           </a:p>
         </p:txBody>
       </p:sp>
@@ -6562,18 +6481,17 @@
           <a:lstStyle/>
           <a:p>
             <a:r>
-              <a:rPr lang="ko-KR" altLang="en-US" dirty="0" smtClean="0"/>
+              <a:rPr lang="ko-KR" altLang="en-US" dirty="0"/>
               <a:t>원하는 위치에 </a:t>
             </a:r>
             <a:r>
-              <a:rPr lang="ko-KR" altLang="en-US" dirty="0" err="1" smtClean="0"/>
+              <a:rPr lang="ko-KR" altLang="en-US" dirty="0" err="1"/>
               <a:t>프로브</a:t>
             </a:r>
             <a:r>
-              <a:rPr lang="ko-KR" altLang="en-US" dirty="0" smtClean="0"/>
+              <a:rPr lang="ko-KR" altLang="en-US" dirty="0"/>
               <a:t> </a:t>
             </a:r>
-            <a:endParaRPr lang="ko-KR" altLang="en-US" dirty="0"/>
           </a:p>
         </p:txBody>
       </p:sp>
@@ -6587,13 +6505,6 @@
   <p:clrMapOvr>
     <a:masterClrMapping/>
   </p:clrMapOvr>
-  <p:timing>
-    <p:tnLst>
-      <p:par>
-        <p:cTn id="1" dur="indefinite" restart="never" nodeType="tmRoot"/>
-      </p:par>
-    </p:tnLst>
-  </p:timing>
 </p:sld>
 </file>
 
